--- a/Capstone platform shooter.pptx
+++ b/Capstone platform shooter.pptx
@@ -28371,7 +28371,7 @@
             </a:pPr>
             <a:r>
               <a:rPr lang="en" dirty="0"/>
-              <a:t>Capstone Introduction</a:t>
+              <a:t>Capstone Information</a:t>
             </a:r>
             <a:endParaRPr dirty="0"/>
           </a:p>
@@ -28393,8 +28393,8 @@
         </p:nvSpPr>
         <p:spPr>
           <a:xfrm>
-            <a:off x="212420" y="966351"/>
-            <a:ext cx="3868040" cy="477861"/>
+            <a:off x="-60959" y="1231817"/>
+            <a:ext cx="2171700" cy="477861"/>
           </a:xfrm>
           <a:prstGeom prst="rect">
             <a:avLst/>
@@ -28658,6 +28658,9 @@
           <a:p>
             <a:r>
               <a:rPr lang="en-US" dirty="0">
+                <a:solidFill>
+                  <a:schemeClr val="tx2"/>
+                </a:solidFill>
                 <a:latin typeface="Press Start 2P" panose="020B0604020202020204" charset="0"/>
               </a:rPr>
               <a:t>What is my program?</a:t>
@@ -28697,496 +28700,6 @@
       </p:pic>
       <p:sp>
         <p:nvSpPr>
-          <p:cNvPr id="15" name="Content Placeholder 3">
-            <a:extLst>
-              <a:ext uri="{FF2B5EF4-FFF2-40B4-BE49-F238E27FC236}">
-                <a16:creationId xmlns:a16="http://schemas.microsoft.com/office/drawing/2014/main" id="{8A6E6544-5F09-ED4F-1423-A3DA9D0547BD}"/>
-              </a:ext>
-            </a:extLst>
-          </p:cNvPr>
-          <p:cNvSpPr txBox="1">
-            <a:spLocks/>
-          </p:cNvSpPr>
-          <p:nvPr/>
-        </p:nvSpPr>
-        <p:spPr>
-          <a:xfrm>
-            <a:off x="96074" y="1336651"/>
-            <a:ext cx="4475926" cy="3361824"/>
-          </a:xfrm>
-          <a:prstGeom prst="rect">
-            <a:avLst/>
-          </a:prstGeom>
-          <a:noFill/>
-          <a:ln>
-            <a:noFill/>
-          </a:ln>
-        </p:spPr>
-        <p:txBody>
-          <a:bodyPr spcFirstLastPara="1" wrap="square" lIns="91425" tIns="91425" rIns="91425" bIns="91425" anchor="ctr" anchorCtr="0">
-            <a:normAutofit fontScale="55000" lnSpcReduction="20000"/>
-          </a:bodyPr>
-          <a:lstStyle>
-            <a:defPPr marR="0" lvl="0" algn="l" rtl="0">
-              <a:lnSpc>
-                <a:spcPct val="100000"/>
-              </a:lnSpc>
-              <a:spcBef>
-                <a:spcPts val="0"/>
-              </a:spcBef>
-              <a:spcAft>
-                <a:spcPts val="0"/>
-              </a:spcAft>
-            </a:defPPr>
-            <a:lvl1pPr marR="0" lvl="0" algn="ctr" rtl="0">
-              <a:lnSpc>
-                <a:spcPct val="100000"/>
-              </a:lnSpc>
-              <a:spcBef>
-                <a:spcPts val="0"/>
-              </a:spcBef>
-              <a:spcAft>
-                <a:spcPts val="0"/>
-              </a:spcAft>
-              <a:buClr>
-                <a:schemeClr val="dk1"/>
-              </a:buClr>
-              <a:buSzPts val="2500"/>
-              <a:buFont typeface="Press Start 2P"/>
-              <a:buNone/>
-              <a:defRPr sz="1600" b="0" i="0" u="none" strike="noStrike" cap="none">
-                <a:solidFill>
-                  <a:schemeClr val="dk2"/>
-                </a:solidFill>
-                <a:latin typeface="Press Start 2P"/>
-                <a:ea typeface="Press Start 2P"/>
-                <a:cs typeface="Press Start 2P"/>
-                <a:sym typeface="Press Start 2P"/>
-              </a:defRPr>
-            </a:lvl1pPr>
-            <a:lvl2pPr marR="0" lvl="1" algn="ctr" rtl="0">
-              <a:lnSpc>
-                <a:spcPct val="100000"/>
-              </a:lnSpc>
-              <a:spcBef>
-                <a:spcPts val="0"/>
-              </a:spcBef>
-              <a:spcAft>
-                <a:spcPts val="0"/>
-              </a:spcAft>
-              <a:buClr>
-                <a:schemeClr val="dk1"/>
-              </a:buClr>
-              <a:buSzPts val="2500"/>
-              <a:buFont typeface="Bebas Neue"/>
-              <a:buNone/>
-              <a:defRPr sz="2500" b="0" i="0" u="none" strike="noStrike" cap="none">
-                <a:solidFill>
-                  <a:schemeClr val="dk1"/>
-                </a:solidFill>
-                <a:latin typeface="Bebas Neue"/>
-                <a:ea typeface="Bebas Neue"/>
-                <a:cs typeface="Bebas Neue"/>
-                <a:sym typeface="Bebas Neue"/>
-              </a:defRPr>
-            </a:lvl2pPr>
-            <a:lvl3pPr marR="0" lvl="2" algn="ctr" rtl="0">
-              <a:lnSpc>
-                <a:spcPct val="100000"/>
-              </a:lnSpc>
-              <a:spcBef>
-                <a:spcPts val="0"/>
-              </a:spcBef>
-              <a:spcAft>
-                <a:spcPts val="0"/>
-              </a:spcAft>
-              <a:buClr>
-                <a:schemeClr val="dk1"/>
-              </a:buClr>
-              <a:buSzPts val="2500"/>
-              <a:buFont typeface="Bebas Neue"/>
-              <a:buNone/>
-              <a:defRPr sz="2500" b="0" i="0" u="none" strike="noStrike" cap="none">
-                <a:solidFill>
-                  <a:schemeClr val="dk1"/>
-                </a:solidFill>
-                <a:latin typeface="Bebas Neue"/>
-                <a:ea typeface="Bebas Neue"/>
-                <a:cs typeface="Bebas Neue"/>
-                <a:sym typeface="Bebas Neue"/>
-              </a:defRPr>
-            </a:lvl3pPr>
-            <a:lvl4pPr marR="0" lvl="3" algn="ctr" rtl="0">
-              <a:lnSpc>
-                <a:spcPct val="100000"/>
-              </a:lnSpc>
-              <a:spcBef>
-                <a:spcPts val="0"/>
-              </a:spcBef>
-              <a:spcAft>
-                <a:spcPts val="0"/>
-              </a:spcAft>
-              <a:buClr>
-                <a:schemeClr val="dk1"/>
-              </a:buClr>
-              <a:buSzPts val="2500"/>
-              <a:buFont typeface="Bebas Neue"/>
-              <a:buNone/>
-              <a:defRPr sz="2500" b="0" i="0" u="none" strike="noStrike" cap="none">
-                <a:solidFill>
-                  <a:schemeClr val="dk1"/>
-                </a:solidFill>
-                <a:latin typeface="Bebas Neue"/>
-                <a:ea typeface="Bebas Neue"/>
-                <a:cs typeface="Bebas Neue"/>
-                <a:sym typeface="Bebas Neue"/>
-              </a:defRPr>
-            </a:lvl4pPr>
-            <a:lvl5pPr marR="0" lvl="4" algn="ctr" rtl="0">
-              <a:lnSpc>
-                <a:spcPct val="100000"/>
-              </a:lnSpc>
-              <a:spcBef>
-                <a:spcPts val="0"/>
-              </a:spcBef>
-              <a:spcAft>
-                <a:spcPts val="0"/>
-              </a:spcAft>
-              <a:buClr>
-                <a:schemeClr val="dk1"/>
-              </a:buClr>
-              <a:buSzPts val="2500"/>
-              <a:buFont typeface="Bebas Neue"/>
-              <a:buNone/>
-              <a:defRPr sz="2500" b="0" i="0" u="none" strike="noStrike" cap="none">
-                <a:solidFill>
-                  <a:schemeClr val="dk1"/>
-                </a:solidFill>
-                <a:latin typeface="Bebas Neue"/>
-                <a:ea typeface="Bebas Neue"/>
-                <a:cs typeface="Bebas Neue"/>
-                <a:sym typeface="Bebas Neue"/>
-              </a:defRPr>
-            </a:lvl5pPr>
-            <a:lvl6pPr marR="0" lvl="5" algn="ctr" rtl="0">
-              <a:lnSpc>
-                <a:spcPct val="100000"/>
-              </a:lnSpc>
-              <a:spcBef>
-                <a:spcPts val="0"/>
-              </a:spcBef>
-              <a:spcAft>
-                <a:spcPts val="0"/>
-              </a:spcAft>
-              <a:buClr>
-                <a:schemeClr val="dk1"/>
-              </a:buClr>
-              <a:buSzPts val="2500"/>
-              <a:buFont typeface="Bebas Neue"/>
-              <a:buNone/>
-              <a:defRPr sz="2500" b="0" i="0" u="none" strike="noStrike" cap="none">
-                <a:solidFill>
-                  <a:schemeClr val="dk1"/>
-                </a:solidFill>
-                <a:latin typeface="Bebas Neue"/>
-                <a:ea typeface="Bebas Neue"/>
-                <a:cs typeface="Bebas Neue"/>
-                <a:sym typeface="Bebas Neue"/>
-              </a:defRPr>
-            </a:lvl6pPr>
-            <a:lvl7pPr marR="0" lvl="6" algn="ctr" rtl="0">
-              <a:lnSpc>
-                <a:spcPct val="100000"/>
-              </a:lnSpc>
-              <a:spcBef>
-                <a:spcPts val="0"/>
-              </a:spcBef>
-              <a:spcAft>
-                <a:spcPts val="0"/>
-              </a:spcAft>
-              <a:buClr>
-                <a:schemeClr val="dk1"/>
-              </a:buClr>
-              <a:buSzPts val="2500"/>
-              <a:buFont typeface="Bebas Neue"/>
-              <a:buNone/>
-              <a:defRPr sz="2500" b="0" i="0" u="none" strike="noStrike" cap="none">
-                <a:solidFill>
-                  <a:schemeClr val="dk1"/>
-                </a:solidFill>
-                <a:latin typeface="Bebas Neue"/>
-                <a:ea typeface="Bebas Neue"/>
-                <a:cs typeface="Bebas Neue"/>
-                <a:sym typeface="Bebas Neue"/>
-              </a:defRPr>
-            </a:lvl7pPr>
-            <a:lvl8pPr marR="0" lvl="7" algn="ctr" rtl="0">
-              <a:lnSpc>
-                <a:spcPct val="100000"/>
-              </a:lnSpc>
-              <a:spcBef>
-                <a:spcPts val="0"/>
-              </a:spcBef>
-              <a:spcAft>
-                <a:spcPts val="0"/>
-              </a:spcAft>
-              <a:buClr>
-                <a:schemeClr val="dk1"/>
-              </a:buClr>
-              <a:buSzPts val="2500"/>
-              <a:buFont typeface="Bebas Neue"/>
-              <a:buNone/>
-              <a:defRPr sz="2500" b="0" i="0" u="none" strike="noStrike" cap="none">
-                <a:solidFill>
-                  <a:schemeClr val="dk1"/>
-                </a:solidFill>
-                <a:latin typeface="Bebas Neue"/>
-                <a:ea typeface="Bebas Neue"/>
-                <a:cs typeface="Bebas Neue"/>
-                <a:sym typeface="Bebas Neue"/>
-              </a:defRPr>
-            </a:lvl8pPr>
-            <a:lvl9pPr marR="0" lvl="8" algn="ctr" rtl="0">
-              <a:lnSpc>
-                <a:spcPct val="100000"/>
-              </a:lnSpc>
-              <a:spcBef>
-                <a:spcPts val="0"/>
-              </a:spcBef>
-              <a:spcAft>
-                <a:spcPts val="0"/>
-              </a:spcAft>
-              <a:buClr>
-                <a:schemeClr val="dk1"/>
-              </a:buClr>
-              <a:buSzPts val="2500"/>
-              <a:buFont typeface="Bebas Neue"/>
-              <a:buNone/>
-              <a:defRPr sz="2500" b="0" i="0" u="none" strike="noStrike" cap="none">
-                <a:solidFill>
-                  <a:schemeClr val="dk1"/>
-                </a:solidFill>
-                <a:latin typeface="Bebas Neue"/>
-                <a:ea typeface="Bebas Neue"/>
-                <a:cs typeface="Bebas Neue"/>
-                <a:sym typeface="Bebas Neue"/>
-              </a:defRPr>
-            </a:lvl9pPr>
-          </a:lstStyle>
-          <a:p>
-            <a:pPr algn="l"/>
-            <a:r>
-              <a:rPr lang="en-US" sz="2900" b="1" i="0" dirty="0">
-                <a:solidFill>
-                  <a:schemeClr val="tx1"/>
-                </a:solidFill>
-                <a:effectLst/>
-                <a:latin typeface="Anaheim" panose="020B0604020202020204" charset="0"/>
-              </a:rPr>
-              <a:t>Project Description:</a:t>
-            </a:r>
-            <a:endParaRPr lang="en-US" sz="2900" b="0" i="0" dirty="0">
-              <a:solidFill>
-                <a:schemeClr val="tx1"/>
-              </a:solidFill>
-              <a:effectLst/>
-              <a:latin typeface="Anaheim" panose="020B0604020202020204" charset="0"/>
-            </a:endParaRPr>
-          </a:p>
-          <a:p>
-            <a:pPr marL="457200" lvl="1" algn="l"/>
-            <a:r>
-              <a:rPr lang="en-US" b="0" i="0" dirty="0">
-                <a:solidFill>
-                  <a:schemeClr val="tx1"/>
-                </a:solidFill>
-                <a:effectLst/>
-                <a:latin typeface="Anaheim" panose="020B0604020202020204" charset="0"/>
-              </a:rPr>
-              <a:t>Dynamic platform shooter video game</a:t>
-            </a:r>
-          </a:p>
-          <a:p>
-            <a:pPr marL="457200" lvl="1" algn="l"/>
-            <a:r>
-              <a:rPr lang="en-US" b="0" i="0" dirty="0">
-                <a:solidFill>
-                  <a:schemeClr val="tx1"/>
-                </a:solidFill>
-                <a:effectLst/>
-                <a:latin typeface="Anaheim" panose="020B0604020202020204" charset="0"/>
-              </a:rPr>
-              <a:t>Captivating and immersive gaming experience</a:t>
-            </a:r>
-          </a:p>
-          <a:p>
-            <a:pPr algn="l"/>
-            <a:r>
-              <a:rPr lang="en-US" sz="2900" b="1" i="0" dirty="0">
-                <a:solidFill>
-                  <a:schemeClr val="tx1"/>
-                </a:solidFill>
-                <a:effectLst/>
-                <a:latin typeface="Anaheim" panose="020B0604020202020204" charset="0"/>
-              </a:rPr>
-              <a:t>Core Focus:</a:t>
-            </a:r>
-            <a:endParaRPr lang="en-US" sz="2900" b="0" i="0" dirty="0">
-              <a:solidFill>
-                <a:schemeClr val="tx1"/>
-              </a:solidFill>
-              <a:effectLst/>
-              <a:latin typeface="Anaheim" panose="020B0604020202020204" charset="0"/>
-            </a:endParaRPr>
-          </a:p>
-          <a:p>
-            <a:pPr marL="457200" lvl="1" algn="l"/>
-            <a:r>
-              <a:rPr lang="en-US" b="0" i="0" dirty="0">
-                <a:solidFill>
-                  <a:schemeClr val="tx1"/>
-                </a:solidFill>
-                <a:effectLst/>
-                <a:latin typeface="Anaheim" panose="020B0604020202020204" charset="0"/>
-              </a:rPr>
-              <a:t>Entertainment</a:t>
-            </a:r>
-          </a:p>
-          <a:p>
-            <a:pPr marL="457200" lvl="1" algn="l"/>
-            <a:r>
-              <a:rPr lang="en-US" b="0" i="0" dirty="0">
-                <a:solidFill>
-                  <a:schemeClr val="tx1"/>
-                </a:solidFill>
-                <a:effectLst/>
-                <a:latin typeface="Anaheim" panose="020B0604020202020204" charset="0"/>
-              </a:rPr>
-              <a:t>Engaging gameplay</a:t>
-            </a:r>
-          </a:p>
-          <a:p>
-            <a:pPr marL="457200" lvl="1" algn="l"/>
-            <a:r>
-              <a:rPr lang="en-US" b="0" i="0" dirty="0">
-                <a:solidFill>
-                  <a:schemeClr val="tx1"/>
-                </a:solidFill>
-                <a:effectLst/>
-                <a:latin typeface="Anaheim" panose="020B0604020202020204" charset="0"/>
-              </a:rPr>
-              <a:t>Reflex enhancement</a:t>
-            </a:r>
-          </a:p>
-          <a:p>
-            <a:pPr marL="457200" lvl="1" algn="l"/>
-            <a:r>
-              <a:rPr lang="en-US" b="0" i="0" dirty="0">
-                <a:solidFill>
-                  <a:schemeClr val="tx1"/>
-                </a:solidFill>
-                <a:effectLst/>
-                <a:latin typeface="Anaheim" panose="020B0604020202020204" charset="0"/>
-              </a:rPr>
-              <a:t>Problem-solving abilities</a:t>
-            </a:r>
-          </a:p>
-          <a:p>
-            <a:pPr algn="l"/>
-            <a:r>
-              <a:rPr lang="en-US" sz="2900" b="1" i="0" dirty="0">
-                <a:solidFill>
-                  <a:schemeClr val="tx1"/>
-                </a:solidFill>
-                <a:effectLst/>
-                <a:latin typeface="Anaheim" panose="020B0604020202020204" charset="0"/>
-              </a:rPr>
-              <a:t>Purpose:</a:t>
-            </a:r>
-            <a:endParaRPr lang="en-US" sz="2900" b="0" i="0" dirty="0">
-              <a:solidFill>
-                <a:schemeClr val="tx1"/>
-              </a:solidFill>
-              <a:effectLst/>
-              <a:latin typeface="Anaheim" panose="020B0604020202020204" charset="0"/>
-            </a:endParaRPr>
-          </a:p>
-          <a:p>
-            <a:pPr marL="457200" lvl="1" algn="l"/>
-            <a:r>
-              <a:rPr lang="en-US" b="0" i="0" dirty="0">
-                <a:solidFill>
-                  <a:schemeClr val="tx1"/>
-                </a:solidFill>
-                <a:effectLst/>
-                <a:latin typeface="Anaheim" panose="020B0604020202020204" charset="0"/>
-              </a:rPr>
-              <a:t>Showcase game development skills</a:t>
-            </a:r>
-          </a:p>
-          <a:p>
-            <a:pPr marL="457200" lvl="1" algn="l"/>
-            <a:r>
-              <a:rPr lang="en-US" b="0" i="0" dirty="0">
-                <a:solidFill>
-                  <a:schemeClr val="tx1"/>
-                </a:solidFill>
-                <a:effectLst/>
-                <a:latin typeface="Anaheim" panose="020B0604020202020204" charset="0"/>
-              </a:rPr>
-              <a:t>Highlight the potential of video games in skill training</a:t>
-            </a:r>
-          </a:p>
-          <a:p>
-            <a:pPr algn="l"/>
-            <a:r>
-              <a:rPr lang="en-US" sz="2900" b="1" i="0" dirty="0">
-                <a:solidFill>
-                  <a:schemeClr val="tx1"/>
-                </a:solidFill>
-                <a:effectLst/>
-                <a:latin typeface="Anaheim" panose="020B0604020202020204" charset="0"/>
-              </a:rPr>
-              <a:t>Audience:</a:t>
-            </a:r>
-            <a:endParaRPr lang="en-US" sz="2900" b="0" i="0" dirty="0">
-              <a:solidFill>
-                <a:schemeClr val="tx1"/>
-              </a:solidFill>
-              <a:effectLst/>
-              <a:latin typeface="Anaheim" panose="020B0604020202020204" charset="0"/>
-            </a:endParaRPr>
-          </a:p>
-          <a:p>
-            <a:pPr marL="457200" lvl="1" algn="l"/>
-            <a:r>
-              <a:rPr lang="en-US" b="0" i="0" dirty="0">
-                <a:solidFill>
-                  <a:schemeClr val="tx1"/>
-                </a:solidFill>
-                <a:effectLst/>
-                <a:latin typeface="Anaheim" panose="020B0604020202020204" charset="0"/>
-              </a:rPr>
-              <a:t>Entertainment seekers</a:t>
-            </a:r>
-          </a:p>
-          <a:p>
-            <a:pPr marL="457200" lvl="1" algn="l"/>
-            <a:r>
-              <a:rPr lang="en-US" b="0" i="0" dirty="0">
-                <a:solidFill>
-                  <a:schemeClr val="tx1"/>
-                </a:solidFill>
-                <a:effectLst/>
-                <a:latin typeface="Anaheim" panose="020B0604020202020204" charset="0"/>
-              </a:rPr>
-              <a:t>Individuals interested in skill development and training</a:t>
-            </a:r>
-          </a:p>
-        </p:txBody>
-      </p:sp>
-      <p:sp>
-        <p:nvSpPr>
           <p:cNvPr id="16" name="Text Placeholder 4">
             <a:extLst>
               <a:ext uri="{FF2B5EF4-FFF2-40B4-BE49-F238E27FC236}">
@@ -29201,8 +28714,8 @@
         </p:nvSpPr>
         <p:spPr>
           <a:xfrm>
-            <a:off x="4677366" y="1043736"/>
-            <a:ext cx="4354836" cy="493345"/>
+            <a:off x="6196224" y="1240307"/>
+            <a:ext cx="2278581" cy="493345"/>
           </a:xfrm>
           <a:prstGeom prst="rect">
             <a:avLst/>
@@ -29465,7 +28978,11 @@
           </a:lstStyle>
           <a:p>
             <a:r>
-              <a:rPr lang="en-US" dirty="0"/>
+              <a:rPr lang="en-US" sz="1400" dirty="0">
+                <a:solidFill>
+                  <a:schemeClr val="tx2"/>
+                </a:solidFill>
+              </a:rPr>
               <a:t>What does it solve?</a:t>
             </a:r>
           </a:p>
@@ -29487,8 +29004,8 @@
         </p:nvSpPr>
         <p:spPr>
           <a:xfrm>
-            <a:off x="4783704" y="1563092"/>
-            <a:ext cx="4248498" cy="2994840"/>
+            <a:off x="6477013" y="1711297"/>
+            <a:ext cx="1717002" cy="1314116"/>
           </a:xfrm>
           <a:prstGeom prst="rect">
             <a:avLst/>
@@ -29500,7 +29017,7 @@
         </p:spPr>
         <p:txBody>
           <a:bodyPr spcFirstLastPara="1" wrap="square" lIns="91425" tIns="91425" rIns="91425" bIns="91425" anchor="ctr" anchorCtr="0">
-            <a:normAutofit lnSpcReduction="10000"/>
+            <a:normAutofit/>
           </a:bodyPr>
           <a:lstStyle>
             <a:defPPr marR="0" lvl="0" algn="l" rtl="0">
@@ -29752,7 +29269,7 @@
           <a:p>
             <a:pPr marL="342900" indent="-342900" algn="l">
               <a:buClr>
-                <a:schemeClr val="bg2"/>
+                <a:schemeClr val="accent3"/>
               </a:buClr>
               <a:buFont typeface="+mj-lt"/>
               <a:buAutoNum type="arabicPeriod"/>
@@ -29760,17 +29277,17 @@
             <a:r>
               <a:rPr lang="en-US" dirty="0">
                 <a:solidFill>
-                  <a:schemeClr val="bg2"/>
+                  <a:schemeClr val="accent3"/>
                 </a:solidFill>
                 <a:latin typeface="Anaheim" panose="020B0604020202020204" charset="0"/>
               </a:rPr>
-              <a:t>Entertainment: They offer a way for people to relax, have fun, and escape from the stresses of daily life.</a:t>
+              <a:t>Entertainment</a:t>
             </a:r>
           </a:p>
           <a:p>
             <a:pPr marL="342900" indent="-342900" algn="l">
               <a:buClr>
-                <a:schemeClr val="bg2"/>
+                <a:schemeClr val="accent3"/>
               </a:buClr>
               <a:buFont typeface="+mj-lt"/>
               <a:buAutoNum type="arabicPeriod"/>
@@ -29778,17 +29295,17 @@
             <a:r>
               <a:rPr lang="en-US" dirty="0">
                 <a:solidFill>
-                  <a:schemeClr val="bg2"/>
+                  <a:schemeClr val="accent3"/>
                 </a:solidFill>
                 <a:latin typeface="Anaheim" panose="020B0604020202020204" charset="0"/>
               </a:rPr>
-              <a:t>Skill Training: It can enhance reflexes and hand-eye coordination</a:t>
+              <a:t>Skill Training</a:t>
             </a:r>
           </a:p>
           <a:p>
             <a:pPr marL="342900" indent="-342900" algn="l">
               <a:buClr>
-                <a:schemeClr val="bg2"/>
+                <a:schemeClr val="accent3"/>
               </a:buClr>
               <a:buFont typeface="+mj-lt"/>
               <a:buAutoNum type="arabicPeriod"/>
@@ -29796,17 +29313,17 @@
             <a:r>
               <a:rPr lang="en-US" dirty="0">
                 <a:solidFill>
-                  <a:schemeClr val="bg2"/>
+                  <a:schemeClr val="accent3"/>
                 </a:solidFill>
                 <a:latin typeface="Anaheim" panose="020B0604020202020204" charset="0"/>
               </a:rPr>
-              <a:t>Therapeutic: video games are used for physical and occupational therapy, cognitive rehabilitation, and pain management.</a:t>
+              <a:t>Therapy</a:t>
             </a:r>
           </a:p>
           <a:p>
             <a:pPr marL="342900" indent="-342900" algn="l">
               <a:buClr>
-                <a:schemeClr val="bg2"/>
+                <a:schemeClr val="accent3"/>
               </a:buClr>
               <a:buFont typeface="+mj-lt"/>
               <a:buAutoNum type="arabicPeriod"/>
@@ -29814,47 +29331,11 @@
             <a:r>
               <a:rPr lang="en-US" dirty="0">
                 <a:solidFill>
-                  <a:schemeClr val="bg2"/>
+                  <a:schemeClr val="accent3"/>
                 </a:solidFill>
                 <a:latin typeface="Anaheim" panose="020B0604020202020204" charset="0"/>
               </a:rPr>
-              <a:t>Research and Data Collection: Some games are designed for research purposes, allowing scientists to gather data on player behavior, cognitive processes, and more.</a:t>
-            </a:r>
-          </a:p>
-          <a:p>
-            <a:pPr marL="342900" indent="-342900" algn="l">
-              <a:buClr>
-                <a:schemeClr val="bg2"/>
-              </a:buClr>
-              <a:buFont typeface="+mj-lt"/>
-              <a:buAutoNum type="arabicPeriod"/>
-            </a:pPr>
-            <a:r>
-              <a:rPr lang="en-US" dirty="0">
-                <a:solidFill>
-                  <a:schemeClr val="bg2"/>
-                </a:solidFill>
-                <a:latin typeface="Anaheim" panose="020B0604020202020204" charset="0"/>
-              </a:rPr>
-              <a:t>Being accessible to new gamers, </a:t>
-            </a:r>
-            <a:r>
-              <a:rPr lang="en-US" dirty="0" err="1">
-                <a:solidFill>
-                  <a:schemeClr val="bg2"/>
-                </a:solidFill>
-                <a:latin typeface="Anaheim" panose="020B0604020202020204" charset="0"/>
-              </a:rPr>
-              <a:t>replayability</a:t>
-            </a:r>
-            <a:r>
-              <a:rPr lang="en-US" dirty="0">
-                <a:solidFill>
-                  <a:schemeClr val="bg2"/>
-                </a:solidFill>
-                <a:latin typeface="Anaheim" panose="020B0604020202020204" charset="0"/>
-              </a:rPr>
-              <a:t> for competitiveness.</a:t>
+              <a:t>Accessibility</a:t>
             </a:r>
           </a:p>
         </p:txBody>
@@ -29919,6 +29400,307 @@
           </a:prstGeom>
         </p:spPr>
       </p:pic>
+      <p:sp>
+        <p:nvSpPr>
+          <p:cNvPr id="25" name="TextBox 24">
+            <a:extLst>
+              <a:ext uri="{FF2B5EF4-FFF2-40B4-BE49-F238E27FC236}">
+                <a16:creationId xmlns:a16="http://schemas.microsoft.com/office/drawing/2014/main" id="{9F78BBB9-1A3D-03D0-C1D3-6B0050CEEC4B}"/>
+              </a:ext>
+            </a:extLst>
+          </p:cNvPr>
+          <p:cNvSpPr txBox="1"/>
+          <p:nvPr/>
+        </p:nvSpPr>
+        <p:spPr>
+          <a:xfrm>
+            <a:off x="0" y="1766661"/>
+            <a:ext cx="2233910" cy="1169551"/>
+          </a:xfrm>
+          <a:prstGeom prst="rect">
+            <a:avLst/>
+          </a:prstGeom>
+          <a:noFill/>
+        </p:spPr>
+        <p:txBody>
+          <a:bodyPr wrap="square">
+            <a:spAutoFit/>
+          </a:bodyPr>
+          <a:lstStyle/>
+          <a:p>
+            <a:pPr marL="457200" lvl="1" algn="l"/>
+            <a:r>
+              <a:rPr lang="en-US" b="0" i="0" dirty="0">
+                <a:solidFill>
+                  <a:schemeClr val="accent3"/>
+                </a:solidFill>
+                <a:effectLst/>
+                <a:latin typeface="Anaheim" panose="020B0604020202020204" charset="0"/>
+              </a:rPr>
+              <a:t>Dynamic platform shooter video game</a:t>
+            </a:r>
+          </a:p>
+          <a:p>
+            <a:pPr marL="457200" lvl="1" algn="l"/>
+            <a:r>
+              <a:rPr lang="en-US" dirty="0">
+                <a:solidFill>
+                  <a:schemeClr val="accent3"/>
+                </a:solidFill>
+                <a:latin typeface="Anaheim" panose="020B0604020202020204" charset="0"/>
+              </a:rPr>
+              <a:t>With c</a:t>
+            </a:r>
+            <a:r>
+              <a:rPr lang="en-US" b="0" i="0" dirty="0">
+                <a:solidFill>
+                  <a:schemeClr val="accent3"/>
+                </a:solidFill>
+                <a:effectLst/>
+                <a:latin typeface="Anaheim" panose="020B0604020202020204" charset="0"/>
+              </a:rPr>
+              <a:t>aptivating and immersive gaming experience.</a:t>
+            </a:r>
+          </a:p>
+        </p:txBody>
+      </p:sp>
+      <p:sp>
+        <p:nvSpPr>
+          <p:cNvPr id="27" name="TextBox 26">
+            <a:extLst>
+              <a:ext uri="{FF2B5EF4-FFF2-40B4-BE49-F238E27FC236}">
+                <a16:creationId xmlns:a16="http://schemas.microsoft.com/office/drawing/2014/main" id="{B858C3E5-3480-6A5C-BA2A-60A7C491D4F5}"/>
+              </a:ext>
+            </a:extLst>
+          </p:cNvPr>
+          <p:cNvSpPr txBox="1"/>
+          <p:nvPr/>
+        </p:nvSpPr>
+        <p:spPr>
+          <a:xfrm>
+            <a:off x="4026898" y="1227698"/>
+            <a:ext cx="2127348" cy="307777"/>
+          </a:xfrm>
+          <a:prstGeom prst="rect">
+            <a:avLst/>
+          </a:prstGeom>
+          <a:noFill/>
+        </p:spPr>
+        <p:txBody>
+          <a:bodyPr wrap="square">
+            <a:spAutoFit/>
+          </a:bodyPr>
+          <a:lstStyle/>
+          <a:p>
+            <a:pPr algn="l"/>
+            <a:r>
+              <a:rPr lang="en-US" sz="1400" b="1" i="0" dirty="0">
+                <a:solidFill>
+                  <a:schemeClr val="tx2"/>
+                </a:solidFill>
+                <a:effectLst/>
+                <a:latin typeface="Press Start 2P" panose="020B0604020202020204" charset="0"/>
+              </a:rPr>
+              <a:t>Core Focus</a:t>
+            </a:r>
+            <a:endParaRPr lang="en-US" sz="1400" b="0" i="0" dirty="0">
+              <a:solidFill>
+                <a:schemeClr val="tx2"/>
+              </a:solidFill>
+              <a:effectLst/>
+              <a:latin typeface="Press Start 2P" panose="020B0604020202020204" charset="0"/>
+            </a:endParaRPr>
+          </a:p>
+        </p:txBody>
+      </p:sp>
+      <p:sp>
+        <p:nvSpPr>
+          <p:cNvPr id="29" name="TextBox 28">
+            <a:extLst>
+              <a:ext uri="{FF2B5EF4-FFF2-40B4-BE49-F238E27FC236}">
+                <a16:creationId xmlns:a16="http://schemas.microsoft.com/office/drawing/2014/main" id="{4DE0ABB5-9B17-AD5C-7A48-15CDE15252BB}"/>
+              </a:ext>
+            </a:extLst>
+          </p:cNvPr>
+          <p:cNvSpPr txBox="1"/>
+          <p:nvPr/>
+        </p:nvSpPr>
+        <p:spPr>
+          <a:xfrm>
+            <a:off x="3741726" y="1777079"/>
+            <a:ext cx="2412520" cy="738664"/>
+          </a:xfrm>
+          <a:prstGeom prst="rect">
+            <a:avLst/>
+          </a:prstGeom>
+          <a:noFill/>
+        </p:spPr>
+        <p:txBody>
+          <a:bodyPr wrap="square">
+            <a:spAutoFit/>
+          </a:bodyPr>
+          <a:lstStyle/>
+          <a:p>
+            <a:pPr marL="742950" lvl="1" indent="-285750" algn="l">
+              <a:buClr>
+                <a:schemeClr val="tx1"/>
+              </a:buClr>
+              <a:buFont typeface="Arial" panose="020B0604020202020204" pitchFamily="34" charset="0"/>
+              <a:buChar char="•"/>
+            </a:pPr>
+            <a:r>
+              <a:rPr lang="en-US" b="0" i="0" dirty="0">
+                <a:solidFill>
+                  <a:schemeClr val="accent3"/>
+                </a:solidFill>
+                <a:effectLst/>
+                <a:latin typeface="Anaheim" panose="020B0604020202020204" charset="0"/>
+              </a:rPr>
+              <a:t>Entertainment</a:t>
+            </a:r>
+          </a:p>
+          <a:p>
+            <a:pPr marL="742950" lvl="1" indent="-285750" algn="l">
+              <a:buClr>
+                <a:schemeClr val="tx1"/>
+              </a:buClr>
+              <a:buFont typeface="Arial" panose="020B0604020202020204" pitchFamily="34" charset="0"/>
+              <a:buChar char="•"/>
+            </a:pPr>
+            <a:r>
+              <a:rPr lang="en-US" b="0" i="0" dirty="0">
+                <a:solidFill>
+                  <a:schemeClr val="accent3"/>
+                </a:solidFill>
+                <a:effectLst/>
+                <a:latin typeface="Anaheim" panose="020B0604020202020204" charset="0"/>
+              </a:rPr>
+              <a:t>Engaging gameplay</a:t>
+            </a:r>
+          </a:p>
+          <a:p>
+            <a:pPr marL="742950" lvl="1" indent="-285750" algn="l">
+              <a:buClr>
+                <a:schemeClr val="tx1"/>
+              </a:buClr>
+              <a:buFont typeface="Arial" panose="020B0604020202020204" pitchFamily="34" charset="0"/>
+              <a:buChar char="•"/>
+            </a:pPr>
+            <a:r>
+              <a:rPr lang="en-US" b="0" i="0" dirty="0">
+                <a:solidFill>
+                  <a:schemeClr val="accent3"/>
+                </a:solidFill>
+                <a:effectLst/>
+                <a:latin typeface="Anaheim" panose="020B0604020202020204" charset="0"/>
+              </a:rPr>
+              <a:t>Reflex enhancement</a:t>
+            </a:r>
+          </a:p>
+        </p:txBody>
+      </p:sp>
+      <p:sp>
+        <p:nvSpPr>
+          <p:cNvPr id="31" name="TextBox 30">
+            <a:extLst>
+              <a:ext uri="{FF2B5EF4-FFF2-40B4-BE49-F238E27FC236}">
+                <a16:creationId xmlns:a16="http://schemas.microsoft.com/office/drawing/2014/main" id="{35270FAF-601F-ED0A-DAD7-6E6E579D3876}"/>
+              </a:ext>
+            </a:extLst>
+          </p:cNvPr>
+          <p:cNvSpPr txBox="1"/>
+          <p:nvPr/>
+        </p:nvSpPr>
+        <p:spPr>
+          <a:xfrm>
+            <a:off x="2405788" y="1240307"/>
+            <a:ext cx="1480185" cy="307777"/>
+          </a:xfrm>
+          <a:prstGeom prst="rect">
+            <a:avLst/>
+          </a:prstGeom>
+          <a:noFill/>
+        </p:spPr>
+        <p:txBody>
+          <a:bodyPr wrap="square">
+            <a:spAutoFit/>
+          </a:bodyPr>
+          <a:lstStyle/>
+          <a:p>
+            <a:r>
+              <a:rPr lang="en-US" sz="1400" b="1" i="0" dirty="0">
+                <a:solidFill>
+                  <a:schemeClr val="tx2"/>
+                </a:solidFill>
+                <a:effectLst/>
+                <a:latin typeface="Press Start 2P" panose="020B0604020202020204" charset="0"/>
+              </a:rPr>
+              <a:t>Purpose</a:t>
+            </a:r>
+            <a:endParaRPr lang="en-US" dirty="0">
+              <a:solidFill>
+                <a:schemeClr val="tx2"/>
+              </a:solidFill>
+              <a:latin typeface="Press Start 2P" panose="020B0604020202020204" charset="0"/>
+            </a:endParaRPr>
+          </a:p>
+        </p:txBody>
+      </p:sp>
+      <p:sp>
+        <p:nvSpPr>
+          <p:cNvPr id="737" name="TextBox 736">
+            <a:extLst>
+              <a:ext uri="{FF2B5EF4-FFF2-40B4-BE49-F238E27FC236}">
+                <a16:creationId xmlns:a16="http://schemas.microsoft.com/office/drawing/2014/main" id="{0FFA745B-2441-DF84-88D4-CFC5068E9AF9}"/>
+              </a:ext>
+            </a:extLst>
+          </p:cNvPr>
+          <p:cNvSpPr txBox="1"/>
+          <p:nvPr/>
+        </p:nvSpPr>
+        <p:spPr>
+          <a:xfrm>
+            <a:off x="1881427" y="1766661"/>
+            <a:ext cx="2127348" cy="1169551"/>
+          </a:xfrm>
+          <a:prstGeom prst="rect">
+            <a:avLst/>
+          </a:prstGeom>
+          <a:noFill/>
+        </p:spPr>
+        <p:txBody>
+          <a:bodyPr wrap="square">
+            <a:spAutoFit/>
+          </a:bodyPr>
+          <a:lstStyle/>
+          <a:p>
+            <a:pPr marL="457200" lvl="1" algn="l"/>
+            <a:r>
+              <a:rPr lang="en-US" b="0" i="0" dirty="0">
+                <a:solidFill>
+                  <a:schemeClr val="accent3"/>
+                </a:solidFill>
+                <a:effectLst/>
+                <a:latin typeface="Anaheim" panose="020B0604020202020204" charset="0"/>
+              </a:rPr>
+              <a:t>Showcase game development skills</a:t>
+            </a:r>
+          </a:p>
+          <a:p>
+            <a:pPr marL="457200" lvl="1" algn="l"/>
+            <a:r>
+              <a:rPr lang="en-US" b="0" i="0" dirty="0">
+                <a:solidFill>
+                  <a:schemeClr val="accent3"/>
+                </a:solidFill>
+                <a:effectLst/>
+                <a:latin typeface="Anaheim" panose="020B0604020202020204" charset="0"/>
+              </a:rPr>
+              <a:t>Adding more of this game genre to the public.</a:t>
+            </a:r>
+          </a:p>
+        </p:txBody>
+      </p:sp>
     </p:spTree>
   </p:cSld>
   <p:clrMapOvr>
